--- a/Documentation/1421_1433 SPL2 SRS.pptx
+++ b/Documentation/1421_1433 SPL2 SRS.pptx
@@ -6591,7 +6591,7 @@
         </p:nvGrpSpPr>
         <p:grpSpPr>
           <a:xfrm rot="-5400000">
-            <a:off x="8503068" y="2520723"/>
+            <a:off x="8472588" y="2520723"/>
             <a:ext cx="2399639" cy="1361614"/>
             <a:chOff x="0" y="0"/>
             <a:chExt cx="812800" cy="461203"/>
@@ -20545,52 +20545,6 @@
       </p:sp>
       <p:sp>
         <p:nvSpPr>
-          <p:cNvPr id="12" name="Freeform 12"/>
-          <p:cNvSpPr/>
-          <p:nvPr/>
-        </p:nvSpPr>
-        <p:spPr>
-          <a:xfrm>
-            <a:off x="501260" y="2118148"/>
-            <a:ext cx="8751081" cy="4463051"/>
-          </a:xfrm>
-          <a:custGeom>
-            <a:avLst/>
-            <a:gdLst/>
-            <a:ahLst/>
-            <a:cxnLst/>
-            <a:rect l="l" t="t" r="r" b="b"/>
-            <a:pathLst>
-              <a:path w="8751081" h="4463051">
-                <a:moveTo>
-                  <a:pt x="0" y="0"/>
-                </a:moveTo>
-                <a:lnTo>
-                  <a:pt x="8751080" y="0"/>
-                </a:lnTo>
-                <a:lnTo>
-                  <a:pt x="8751080" y="4463051"/>
-                </a:lnTo>
-                <a:lnTo>
-                  <a:pt x="0" y="4463051"/>
-                </a:lnTo>
-                <a:lnTo>
-                  <a:pt x="0" y="0"/>
-                </a:lnTo>
-                <a:close/>
-              </a:path>
-            </a:pathLst>
-          </a:custGeom>
-          <a:blipFill>
-            <a:blip r:embed="rId4"/>
-            <a:stretch>
-              <a:fillRect/>
-            </a:stretch>
-          </a:blipFill>
-        </p:spPr>
-      </p:sp>
-      <p:sp>
-        <p:nvSpPr>
           <p:cNvPr id="13" name="TextBox 13"/>
           <p:cNvSpPr txBox="1"/>
           <p:nvPr/>
@@ -20678,6 +20632,36 @@
           </a:p>
         </p:txBody>
       </p:sp>
+      <p:pic>
+        <p:nvPicPr>
+          <p:cNvPr id="15" name="Picture 14">
+            <a:extLst>
+              <a:ext uri="{FF2B5EF4-FFF2-40B4-BE49-F238E27FC236}">
+                <a16:creationId xmlns:a16="http://schemas.microsoft.com/office/drawing/2014/main" id="{56F3CBE1-4A89-EBF9-FF40-66238E1E83F5}"/>
+              </a:ext>
+            </a:extLst>
+          </p:cNvPr>
+          <p:cNvPicPr>
+            <a:picLocks noChangeAspect="1"/>
+          </p:cNvPicPr>
+          <p:nvPr/>
+        </p:nvPicPr>
+        <p:blipFill>
+          <a:blip r:embed="rId4"/>
+          <a:stretch>
+            <a:fillRect/>
+          </a:stretch>
+        </p:blipFill>
+        <p:spPr>
+          <a:xfrm>
+            <a:off x="967640" y="2057176"/>
+            <a:ext cx="7109560" cy="3807522"/>
+          </a:xfrm>
+          <a:prstGeom prst="rect">
+            <a:avLst/>
+          </a:prstGeom>
+        </p:spPr>
+      </p:pic>
     </p:spTree>
   </p:cSld>
   <p:clrMapOvr>
